--- a/11.01_Презентация_КириллинМаксим.pptx
+++ b/11.01_Презентация_КириллинМаксим.pptx
@@ -7083,7 +7083,7 @@
         </p:nvSpPr>
         <p:spPr>
           <a:xfrm>
-            <a:off x="6949440" y="2865120"/>
+            <a:off x="4257040" y="2865120"/>
             <a:ext cx="3677920" cy="2286000"/>
           </a:xfrm>
           <a:prstGeom prst="snipRoundRect">
@@ -7149,7 +7149,7 @@
         </p:nvSpPr>
         <p:spPr>
           <a:xfrm flipH="1">
-            <a:off x="1564640" y="2865120"/>
+            <a:off x="255793" y="2865120"/>
             <a:ext cx="3677920" cy="2286000"/>
           </a:xfrm>
           <a:prstGeom prst="snipRoundRect">
@@ -7205,6 +7205,87 @@
               <a:t>Server</a:t>
             </a:r>
             <a:endParaRPr lang="ru-RU" sz="3600" dirty="0">
+              <a:latin typeface="Times New Roman" panose="02020603050405020304" pitchFamily="18" charset="0"/>
+              <a:cs typeface="Times New Roman" panose="02020603050405020304" pitchFamily="18" charset="0"/>
+            </a:endParaRPr>
+          </a:p>
+        </p:txBody>
+      </p:sp>
+      <p:sp>
+        <p:nvSpPr>
+          <p:cNvPr id="3" name="Прямоугольник: усеченные верхние углы 2">
+            <a:extLst>
+              <a:ext uri="{FF2B5EF4-FFF2-40B4-BE49-F238E27FC236}">
+                <a16:creationId xmlns:a16="http://schemas.microsoft.com/office/drawing/2014/main" id="{BDA59D4E-48CD-4943-B82F-23423C6C0CF3}"/>
+              </a:ext>
+            </a:extLst>
+          </p:cNvPr>
+          <p:cNvSpPr/>
+          <p:nvPr/>
+        </p:nvSpPr>
+        <p:spPr>
+          <a:xfrm>
+            <a:off x="8543961" y="2865120"/>
+            <a:ext cx="3056966" cy="2286000"/>
+          </a:xfrm>
+          <a:prstGeom prst="snip2SameRect">
+            <a:avLst/>
+          </a:prstGeom>
+          <a:effectLst>
+            <a:outerShdw blurRad="101600" dist="50800" dir="5400000" sx="103000" sy="103000" algn="ctr" rotWithShape="0">
+              <a:srgbClr val="000000">
+                <a:alpha val="45000"/>
+              </a:srgbClr>
+            </a:outerShdw>
+          </a:effectLst>
+        </p:spPr>
+        <p:style>
+          <a:lnRef idx="1">
+            <a:schemeClr val="accent3"/>
+          </a:lnRef>
+          <a:fillRef idx="2">
+            <a:schemeClr val="accent3"/>
+          </a:fillRef>
+          <a:effectRef idx="1">
+            <a:schemeClr val="accent3"/>
+          </a:effectRef>
+          <a:fontRef idx="minor">
+            <a:schemeClr val="dk1"/>
+          </a:fontRef>
+        </p:style>
+        <p:txBody>
+          <a:bodyPr rtlCol="0" anchor="ctr"/>
+          <a:lstStyle/>
+          <a:p>
+            <a:pPr algn="ctr"/>
+            <a:r>
+              <a:rPr lang="en-US" sz="3600" dirty="0">
+                <a:solidFill>
+                  <a:schemeClr val="bg1"/>
+                </a:solidFill>
+                <a:effectLst>
+                  <a:outerShdw blurRad="38100" dist="38100" dir="2700000" algn="tl">
+                    <a:srgbClr val="000000">
+                      <a:alpha val="43137"/>
+                    </a:srgbClr>
+                  </a:outerShdw>
+                </a:effectLst>
+                <a:latin typeface="Times New Roman" panose="02020603050405020304" pitchFamily="18" charset="0"/>
+                <a:cs typeface="Times New Roman" panose="02020603050405020304" pitchFamily="18" charset="0"/>
+              </a:rPr>
+              <a:t>Elasticsearch</a:t>
+            </a:r>
+            <a:endParaRPr lang="ru-RU" sz="3600" dirty="0">
+              <a:solidFill>
+                <a:schemeClr val="bg1"/>
+              </a:solidFill>
+              <a:effectLst>
+                <a:outerShdw blurRad="38100" dist="38100" dir="2700000" algn="tl">
+                  <a:srgbClr val="000000">
+                    <a:alpha val="43137"/>
+                  </a:srgbClr>
+                </a:outerShdw>
+              </a:effectLst>
               <a:latin typeface="Times New Roman" panose="02020603050405020304" pitchFamily="18" charset="0"/>
               <a:cs typeface="Times New Roman" panose="02020603050405020304" pitchFamily="18" charset="0"/>
             </a:endParaRPr>
